--- a/PowerPoint/03 - Context-Free Grammars.pptx
+++ b/PowerPoint/03 - Context-Free Grammars.pptx
@@ -11972,7 +11972,15 @@
           <a:p>
             <a:r>
               <a:rPr lang="en-US" dirty="0"/>
-              <a:t>We can replace these alternatives by the following equivalent expression:</a:t>
+              <a:t>We can replace these </a:t>
+            </a:r>
+            <a:r>
+              <a:rPr lang="en-US"/>
+              <a:t>alternatives with </a:t>
+            </a:r>
+            <a:r>
+              <a:rPr lang="en-US" dirty="0"/>
+              <a:t>the following equivalent expression:</a:t>
             </a:r>
             <a:br>
               <a:rPr lang="en-US" dirty="0"/>
